--- a/Slide Decks/Monday Morning.pptx
+++ b/Slide Decks/Monday Morning.pptx
@@ -5,7 +5,7 @@
     <p:sldMasterId id="2147483648" r:id="rId1"/>
   </p:sldMasterIdLst>
   <p:notesMasterIdLst>
-    <p:notesMasterId r:id="rId25"/>
+    <p:notesMasterId r:id="rId24"/>
   </p:notesMasterIdLst>
   <p:sldIdLst>
     <p:sldId id="256" r:id="rId2"/>
@@ -28,9 +28,8 @@
     <p:sldId id="273" r:id="rId19"/>
     <p:sldId id="274" r:id="rId20"/>
     <p:sldId id="275" r:id="rId21"/>
-    <p:sldId id="279" r:id="rId22"/>
-    <p:sldId id="271" r:id="rId23"/>
-    <p:sldId id="259" r:id="rId24"/>
+    <p:sldId id="271" r:id="rId22"/>
+    <p:sldId id="259" r:id="rId23"/>
   </p:sldIdLst>
   <p:sldSz cx="12192000" cy="6858000"/>
   <p:notesSz cx="6858000" cy="9144000"/>
@@ -271,7 +270,7 @@
           <a:p>
             <a:fld id="{12A9BFB0-A3AC-4541-B159-B28D360F0AE4}" type="datetimeFigureOut">
               <a:rPr lang="en-US" smtClean="0"/>
-              <a:t>5/6/22</a:t>
+              <a:t>4/23/22</a:t>
             </a:fld>
             <a:endParaRPr lang="en-US"/>
           </a:p>
@@ -1263,7 +1262,7 @@
           <a:p>
             <a:fld id="{B758A72A-B590-EE4A-A70A-91093F8A134A}" type="slidenum">
               <a:rPr lang="en-US" smtClean="0"/>
-              <a:t>23</a:t>
+              <a:t>22</a:t>
             </a:fld>
             <a:endParaRPr lang="en-US"/>
           </a:p>
@@ -2391,7 +2390,7 @@
           <a:p>
             <a:fld id="{8858C042-55F6-4044-A4DE-B4FCA7C0AD86}" type="datetimeFigureOut">
               <a:rPr lang="en-US" smtClean="0"/>
-              <a:t>5/6/22</a:t>
+              <a:t>4/23/22</a:t>
             </a:fld>
             <a:endParaRPr lang="en-US" dirty="0"/>
           </a:p>
@@ -2953,7 +2952,7 @@
           <a:p>
             <a:fld id="{8858C042-55F6-4044-A4DE-B4FCA7C0AD86}" type="datetimeFigureOut">
               <a:rPr lang="en-US" smtClean="0"/>
-              <a:t>5/6/22</a:t>
+              <a:t>4/23/22</a:t>
             </a:fld>
             <a:endParaRPr lang="en-US" dirty="0"/>
           </a:p>
@@ -3486,7 +3485,7 @@
           <a:p>
             <a:fld id="{8858C042-55F6-4044-A4DE-B4FCA7C0AD86}" type="datetimeFigureOut">
               <a:rPr lang="en-US" smtClean="0"/>
-              <a:t>5/6/22</a:t>
+              <a:t>4/23/22</a:t>
             </a:fld>
             <a:endParaRPr lang="en-US" dirty="0"/>
           </a:p>
@@ -3673,7 +3672,7 @@
           <a:p>
             <a:fld id="{8858C042-55F6-4044-A4DE-B4FCA7C0AD86}" type="datetimeFigureOut">
               <a:rPr lang="en-US" smtClean="0"/>
-              <a:t>5/6/22</a:t>
+              <a:t>4/23/22</a:t>
             </a:fld>
             <a:endParaRPr lang="en-US" dirty="0"/>
           </a:p>
@@ -4086,7 +4085,7 @@
           <a:p>
             <a:fld id="{8858C042-55F6-4044-A4DE-B4FCA7C0AD86}" type="datetimeFigureOut">
               <a:rPr lang="en-US" smtClean="0"/>
-              <a:t>5/6/22</a:t>
+              <a:t>4/23/22</a:t>
             </a:fld>
             <a:endParaRPr lang="en-US" dirty="0"/>
           </a:p>
@@ -4361,7 +4360,7 @@
           <a:p>
             <a:fld id="{8858C042-55F6-4044-A4DE-B4FCA7C0AD86}" type="datetimeFigureOut">
               <a:rPr lang="en-US" smtClean="0"/>
-              <a:t>5/6/22</a:t>
+              <a:t>4/23/22</a:t>
             </a:fld>
             <a:endParaRPr lang="en-US" dirty="0"/>
           </a:p>
@@ -5101,7 +5100,7 @@
           <a:p>
             <a:fld id="{8858C042-55F6-4044-A4DE-B4FCA7C0AD86}" type="datetimeFigureOut">
               <a:rPr lang="en-US" smtClean="0"/>
-              <a:t>5/6/22</a:t>
+              <a:t>4/23/22</a:t>
             </a:fld>
             <a:endParaRPr lang="en-US"/>
           </a:p>
@@ -5683,7 +5682,7 @@
           <a:p>
             <a:r>
               <a:rPr lang="en-US" dirty="0"/>
-              <a:t>A publisher and a library</a:t>
+              <a:t>A buffet and a plate</a:t>
             </a:r>
           </a:p>
           <a:p>
@@ -5789,7 +5788,7 @@
             <a:pPr lvl="1"/>
             <a:r>
               <a:rPr lang="en-US" dirty="0"/>
-              <a:t>“Publish” the package (once per computer): </a:t>
+              <a:t>Put the item in your buffet (once per computer): </a:t>
             </a:r>
             <a:r>
               <a:rPr lang="en-US" dirty="0" err="1">
@@ -5810,7 +5809,7 @@
             <a:pPr lvl="1"/>
             <a:r>
               <a:rPr lang="en-US" dirty="0"/>
-              <a:t>Put the package in your working library:</a:t>
+              <a:t>Choose from the buffet and put it on your plate:</a:t>
             </a:r>
             <a:r>
               <a:rPr lang="en-US" dirty="0">
@@ -5959,7 +5958,7 @@
                 <a:latin typeface="Consolas" panose="020B0609020204030204" pitchFamily="49" charset="0"/>
                 <a:cs typeface="Consolas" panose="020B0609020204030204" pitchFamily="49" charset="0"/>
               </a:rPr>
-              <a:t>(file = "http://bit.ly/NDSData4",</a:t>
+              <a:t>(file = http://bit.ly/NDSData1,</a:t>
             </a:r>
           </a:p>
           <a:p>
@@ -6000,7 +5999,7 @@
           <a:p>
             <a:r>
               <a:rPr lang="en-US" dirty="0"/>
-              <a:t>In R: One column only: use </a:t>
+              <a:t>In R: One column only (e.g., the 1st): use </a:t>
             </a:r>
             <a:r>
               <a:rPr lang="en-US" dirty="0">
@@ -6033,7 +6032,7 @@
                 <a:latin typeface="Consolas" panose="020B0609020204030204" pitchFamily="49" charset="0"/>
                 <a:cs typeface="Consolas" panose="020B0609020204030204" pitchFamily="49" charset="0"/>
               </a:rPr>
-              <a:t>(file = "http://bit.ly/NDSData1",</a:t>
+              <a:t>(file = http://bit.ly/NDSData1,</a:t>
             </a:r>
           </a:p>
           <a:p>
@@ -6178,7 +6177,7 @@
                 <a:latin typeface="Consolas" panose="020B0609020204030204" pitchFamily="49" charset="0"/>
                 <a:cs typeface="Consolas" panose="020B0609020204030204" pitchFamily="49" charset="0"/>
               </a:rPr>
-              <a:t>(file = "http://bit.ly/NDSData1",</a:t>
+              <a:t>(file = http://bit.ly/NDSData1,</a:t>
             </a:r>
           </a:p>
           <a:p>
@@ -6253,7 +6252,7 @@
                 <a:latin typeface="Consolas" panose="020B0609020204030204" pitchFamily="49" charset="0"/>
                 <a:cs typeface="Consolas" panose="020B0609020204030204" pitchFamily="49" charset="0"/>
               </a:rPr>
-              <a:t>(file = "http://bit.ly/NDSData1",</a:t>
+              <a:t>(file = http://bit.ly/NDSData1,</a:t>
             </a:r>
           </a:p>
           <a:p>
@@ -6271,7 +6270,15 @@
           <a:p>
             <a:r>
               <a:rPr lang="en-US" dirty="0"/>
-              <a:t>The latter is more common, but the former makes more sense to me, so that’s what I do.</a:t>
+              <a:t>The latter is more common</a:t>
+            </a:r>
+            <a:r>
+              <a:rPr lang="en-US"/>
+              <a:t>, but the </a:t>
+            </a:r>
+            <a:r>
+              <a:rPr lang="en-US" dirty="0"/>
+              <a:t>former makes more sense to me, so that’s what I do.</a:t>
             </a:r>
           </a:p>
           <a:p>
@@ -6387,34 +6394,6 @@
             </a:r>
           </a:p>
           <a:p>
-            <a:r>
-              <a:rPr lang="en-US" dirty="0"/>
-              <a:t>The </a:t>
-            </a:r>
-            <a:r>
-              <a:rPr lang="en-US" dirty="0">
-                <a:latin typeface="Consolas" panose="020B0609020204030204" pitchFamily="49" charset="0"/>
-                <a:cs typeface="Consolas" panose="020B0609020204030204" pitchFamily="49" charset="0"/>
-              </a:rPr>
-              <a:t>"</a:t>
-            </a:r>
-            <a:r>
-              <a:rPr lang="en-US" dirty="0"/>
-              <a:t>straight quotes</a:t>
-            </a:r>
-            <a:r>
-              <a:rPr lang="en-US" dirty="0">
-                <a:latin typeface="Consolas" panose="020B0609020204030204" pitchFamily="49" charset="0"/>
-                <a:cs typeface="Consolas" panose="020B0609020204030204" pitchFamily="49" charset="0"/>
-              </a:rPr>
-              <a:t>"</a:t>
-            </a:r>
-            <a:r>
-              <a:rPr lang="en-US" dirty="0"/>
-              <a:t> rarely work, either:</a:t>
-            </a:r>
-          </a:p>
-          <a:p>
             <a:pPr lvl="1"/>
             <a:r>
               <a:rPr lang="en-US" dirty="0">
@@ -6529,7 +6508,7 @@
           <a:p>
             <a:r>
               <a:rPr lang="en-US" dirty="0"/>
-              <a:t>Don’t do it!</a:t>
+              <a:t>Don’t do it</a:t>
             </a:r>
           </a:p>
           <a:p>
@@ -6557,7 +6536,7 @@
             <a:pPr lvl="2"/>
             <a:r>
               <a:rPr lang="en-US" dirty="0"/>
-              <a:t>My rule: If it takes my computer more than the amount of time it takes for me to have a bathroom break and refill my drink, I save the processed results.</a:t>
+              <a:t>My rule: If it takes my computer more than the amount of time it takes for me to have a bathroom break and refill my drink, I save it.</a:t>
             </a:r>
           </a:p>
           <a:p>
@@ -6783,9 +6762,7 @@
         </p:nvSpPr>
         <p:spPr/>
         <p:txBody>
-          <a:bodyPr>
-            <a:normAutofit/>
-          </a:bodyPr>
+          <a:bodyPr/>
           <a:lstStyle/>
           <a:p>
             <a:r>
@@ -6804,14 +6781,49 @@
                 <a:latin typeface="Consolas" panose="020B0609020204030204" pitchFamily="49" charset="0"/>
                 <a:cs typeface="Consolas" panose="020B0609020204030204" pitchFamily="49" charset="0"/>
               </a:rPr>
-              <a:t>hist(pull(</a:t>
+              <a:t>hist("https://</a:t>
             </a:r>
             <a:r>
               <a:rPr lang="en-US" dirty="0" err="1">
                 <a:latin typeface="Consolas" panose="020B0609020204030204" pitchFamily="49" charset="0"/>
                 <a:cs typeface="Consolas" panose="020B0609020204030204" pitchFamily="49" charset="0"/>
               </a:rPr>
-              <a:t>read.csv</a:t>
+              <a:t>bit.ly</a:t>
+            </a:r>
+            <a:r>
+              <a:rPr lang="en-US" dirty="0">
+                <a:latin typeface="Consolas" panose="020B0609020204030204" pitchFamily="49" charset="0"/>
+                <a:cs typeface="Consolas" panose="020B0609020204030204" pitchFamily="49" charset="0"/>
+              </a:rPr>
+              <a:t>/NDSData1") </a:t>
+            </a:r>
+          </a:p>
+          <a:p>
+            <a:pPr lvl="1"/>
+            <a:r>
+              <a:rPr lang="en-US" dirty="0"/>
+              <a:t>The bell-shaped curve</a:t>
+            </a:r>
+          </a:p>
+          <a:p>
+            <a:pPr lvl="1"/>
+            <a:r>
+              <a:rPr lang="en-US" dirty="0"/>
+              <a:t>Tests of normality</a:t>
+            </a:r>
+          </a:p>
+          <a:p>
+            <a:pPr lvl="2"/>
+            <a:r>
+              <a:rPr lang="en-US" dirty="0"/>
+              <a:t>Shapiro-Wilks: </a:t>
+            </a:r>
+            <a:r>
+              <a:rPr lang="en-US" dirty="0" err="1">
+                <a:latin typeface="Consolas" panose="020B0609020204030204" pitchFamily="49" charset="0"/>
+                <a:cs typeface="Consolas" panose="020B0609020204030204" pitchFamily="49" charset="0"/>
+              </a:rPr>
+              <a:t>shapiro.test</a:t>
             </a:r>
             <a:r>
               <a:rPr lang="en-US" dirty="0">
@@ -6832,49 +6844,94 @@
                 <a:latin typeface="Consolas" panose="020B0609020204030204" pitchFamily="49" charset="0"/>
                 <a:cs typeface="Consolas" panose="020B0609020204030204" pitchFamily="49" charset="0"/>
               </a:rPr>
-              <a:t>/NDSData1")))</a:t>
-            </a:r>
-          </a:p>
-          <a:p>
-            <a:pPr lvl="1"/>
-            <a:r>
-              <a:rPr lang="en-US" dirty="0"/>
-              <a:t>The bell-shaped curve</a:t>
-            </a:r>
-          </a:p>
-          <a:p>
-            <a:pPr lvl="1"/>
-            <a:r>
-              <a:rPr lang="en-US" dirty="0"/>
-              <a:t>Tests of normality</a:t>
+              <a:t>/NDSData1")</a:t>
+            </a:r>
+          </a:p>
+          <a:p>
+            <a:pPr lvl="3"/>
+            <a:r>
+              <a:rPr lang="en-US" i="1" dirty="0"/>
+              <a:t>n</a:t>
+            </a:r>
+            <a:r>
+              <a:rPr lang="en-US" dirty="0"/>
+              <a:t> &lt; 5000</a:t>
+            </a:r>
+          </a:p>
+          <a:p>
+            <a:pPr lvl="3"/>
+            <a:r>
+              <a:rPr lang="en-US" dirty="0"/>
+              <a:t>H</a:t>
+            </a:r>
+            <a:r>
+              <a:rPr lang="en-US" baseline="-25000" dirty="0"/>
+              <a:t>0</a:t>
+            </a:r>
+            <a:r>
+              <a:rPr lang="en-US" dirty="0"/>
+              <a:t>: Data are normal</a:t>
             </a:r>
           </a:p>
           <a:p>
             <a:pPr lvl="2"/>
             <a:r>
               <a:rPr lang="en-US" dirty="0"/>
-              <a:t>Shapiro-Wilks: </a:t>
+              <a:t>Q-Q plot</a:t>
+            </a:r>
+          </a:p>
+          <a:p>
+            <a:pPr lvl="3"/>
+            <a:r>
+              <a:rPr lang="en-US" dirty="0"/>
+              <a:t>Put the </a:t>
+            </a:r>
+            <a:r>
+              <a:rPr lang="en-US" dirty="0">
+                <a:latin typeface="Consolas" panose="020B0609020204030204" pitchFamily="49" charset="0"/>
+                <a:cs typeface="Consolas" panose="020B0609020204030204" pitchFamily="49" charset="0"/>
+              </a:rPr>
+              <a:t>car</a:t>
+            </a:r>
+            <a:r>
+              <a:rPr lang="en-US" dirty="0"/>
+              <a:t> package in the buffet (we did that!)</a:t>
+            </a:r>
+          </a:p>
+          <a:p>
+            <a:pPr lvl="3"/>
+            <a:r>
+              <a:rPr lang="en-US" dirty="0"/>
+              <a:t>Put the </a:t>
+            </a:r>
+            <a:r>
+              <a:rPr lang="en-US" dirty="0">
+                <a:latin typeface="Consolas" panose="020B0609020204030204" pitchFamily="49" charset="0"/>
+                <a:cs typeface="Consolas" panose="020B0609020204030204" pitchFamily="49" charset="0"/>
+              </a:rPr>
+              <a:t>car</a:t>
+            </a:r>
+            <a:r>
+              <a:rPr lang="en-US" dirty="0"/>
+              <a:t> package on your plate (we did that!)</a:t>
+            </a:r>
+            <a:endParaRPr lang="en-US" dirty="0">
+              <a:latin typeface="Consolas" panose="020B0609020204030204" pitchFamily="49" charset="0"/>
+              <a:cs typeface="Consolas" panose="020B0609020204030204" pitchFamily="49" charset="0"/>
+            </a:endParaRPr>
+          </a:p>
+          <a:p>
+            <a:pPr lvl="3"/>
+            <a:r>
+              <a:rPr lang="en-US" dirty="0"/>
+              <a:t>Make the Q-Q- plot: </a:t>
             </a:r>
             <a:r>
               <a:rPr lang="en-US" dirty="0" err="1">
                 <a:latin typeface="Consolas" panose="020B0609020204030204" pitchFamily="49" charset="0"/>
                 <a:cs typeface="Consolas" panose="020B0609020204030204" pitchFamily="49" charset="0"/>
               </a:rPr>
-              <a:t>shapiro.test</a:t>
-            </a:r>
-            <a:r>
-              <a:rPr lang="en-US" dirty="0">
-                <a:latin typeface="Consolas" panose="020B0609020204030204" pitchFamily="49" charset="0"/>
-                <a:cs typeface="Consolas" panose="020B0609020204030204" pitchFamily="49" charset="0"/>
-              </a:rPr>
-              <a:t>(pull(</a:t>
-            </a:r>
-            <a:r>
-              <a:rPr lang="en-US" dirty="0" err="1">
-                <a:latin typeface="Consolas" panose="020B0609020204030204" pitchFamily="49" charset="0"/>
-                <a:cs typeface="Consolas" panose="020B0609020204030204" pitchFamily="49" charset="0"/>
-              </a:rPr>
-              <a:t>read.csv</a:t>
+              <a:t>qqPlot</a:t>
             </a:r>
             <a:r>
               <a:rPr lang="en-US" dirty="0">
@@ -6895,129 +6952,7 @@
                 <a:latin typeface="Consolas" panose="020B0609020204030204" pitchFamily="49" charset="0"/>
                 <a:cs typeface="Consolas" panose="020B0609020204030204" pitchFamily="49" charset="0"/>
               </a:rPr>
-              <a:t>/NDSData1")))</a:t>
-            </a:r>
-          </a:p>
-          <a:p>
-            <a:pPr lvl="3"/>
-            <a:r>
-              <a:rPr lang="en-US" i="1" dirty="0"/>
-              <a:t>n</a:t>
-            </a:r>
-            <a:r>
-              <a:rPr lang="en-US" dirty="0"/>
-              <a:t> &lt; 5000</a:t>
-            </a:r>
-          </a:p>
-          <a:p>
-            <a:pPr lvl="3"/>
-            <a:r>
-              <a:rPr lang="en-US" dirty="0"/>
-              <a:t>H</a:t>
-            </a:r>
-            <a:r>
-              <a:rPr lang="en-US" baseline="-25000" dirty="0"/>
-              <a:t>0</a:t>
-            </a:r>
-            <a:r>
-              <a:rPr lang="en-US" dirty="0"/>
-              <a:t>: Data are normal</a:t>
-            </a:r>
-          </a:p>
-          <a:p>
-            <a:pPr lvl="2"/>
-            <a:r>
-              <a:rPr lang="en-US" dirty="0"/>
-              <a:t>Q-Q plot</a:t>
-            </a:r>
-          </a:p>
-          <a:p>
-            <a:pPr lvl="3"/>
-            <a:r>
-              <a:rPr lang="en-US" dirty="0"/>
-              <a:t>Put the </a:t>
-            </a:r>
-            <a:r>
-              <a:rPr lang="en-US" dirty="0">
-                <a:latin typeface="Consolas" panose="020B0609020204030204" pitchFamily="49" charset="0"/>
-                <a:cs typeface="Consolas" panose="020B0609020204030204" pitchFamily="49" charset="0"/>
-              </a:rPr>
-              <a:t>car</a:t>
-            </a:r>
-            <a:r>
-              <a:rPr lang="en-US" dirty="0"/>
-              <a:t> package in the buffet</a:t>
-            </a:r>
-          </a:p>
-          <a:p>
-            <a:pPr lvl="3"/>
-            <a:r>
-              <a:rPr lang="en-US" dirty="0"/>
-              <a:t>Put the </a:t>
-            </a:r>
-            <a:r>
-              <a:rPr lang="en-US" dirty="0">
-                <a:latin typeface="Consolas" panose="020B0609020204030204" pitchFamily="49" charset="0"/>
-                <a:cs typeface="Consolas" panose="020B0609020204030204" pitchFamily="49" charset="0"/>
-              </a:rPr>
-              <a:t>car</a:t>
-            </a:r>
-            <a:r>
-              <a:rPr lang="en-US" dirty="0"/>
-              <a:t> package on your plate</a:t>
-            </a:r>
-            <a:endParaRPr lang="en-US" dirty="0">
-              <a:latin typeface="Consolas" panose="020B0609020204030204" pitchFamily="49" charset="0"/>
-              <a:cs typeface="Consolas" panose="020B0609020204030204" pitchFamily="49" charset="0"/>
-            </a:endParaRPr>
-          </a:p>
-          <a:p>
-            <a:pPr lvl="3"/>
-            <a:r>
-              <a:rPr lang="en-US" dirty="0"/>
-              <a:t>Make the Q-Q- plot: </a:t>
-            </a:r>
-            <a:r>
-              <a:rPr lang="en-US" dirty="0" err="1">
-                <a:latin typeface="Consolas" panose="020B0609020204030204" pitchFamily="49" charset="0"/>
-                <a:cs typeface="Consolas" panose="020B0609020204030204" pitchFamily="49" charset="0"/>
-              </a:rPr>
-              <a:t>qqPlot</a:t>
-            </a:r>
-            <a:r>
-              <a:rPr lang="en-US" dirty="0">
-                <a:latin typeface="Consolas" panose="020B0609020204030204" pitchFamily="49" charset="0"/>
-                <a:cs typeface="Consolas" panose="020B0609020204030204" pitchFamily="49" charset="0"/>
-              </a:rPr>
-              <a:t>(pull(</a:t>
-            </a:r>
-            <a:r>
-              <a:rPr lang="en-US" dirty="0" err="1">
-                <a:latin typeface="Consolas" panose="020B0609020204030204" pitchFamily="49" charset="0"/>
-                <a:cs typeface="Consolas" panose="020B0609020204030204" pitchFamily="49" charset="0"/>
-              </a:rPr>
-              <a:t>read.csv</a:t>
-            </a:r>
-            <a:r>
-              <a:rPr lang="en-US" dirty="0">
-                <a:latin typeface="Consolas" panose="020B0609020204030204" pitchFamily="49" charset="0"/>
-                <a:cs typeface="Consolas" panose="020B0609020204030204" pitchFamily="49" charset="0"/>
-              </a:rPr>
-              <a:t>("https://</a:t>
-            </a:r>
-            <a:r>
-              <a:rPr lang="en-US" dirty="0" err="1">
-                <a:latin typeface="Consolas" panose="020B0609020204030204" pitchFamily="49" charset="0"/>
-                <a:cs typeface="Consolas" panose="020B0609020204030204" pitchFamily="49" charset="0"/>
-              </a:rPr>
-              <a:t>bit.ly</a:t>
-            </a:r>
-            <a:r>
-              <a:rPr lang="en-US" dirty="0">
-                <a:latin typeface="Consolas" panose="020B0609020204030204" pitchFamily="49" charset="0"/>
-                <a:cs typeface="Consolas" panose="020B0609020204030204" pitchFamily="49" charset="0"/>
-              </a:rPr>
-              <a:t>/NDSData1")))</a:t>
+              <a:t>/NDSData1")</a:t>
             </a:r>
           </a:p>
         </p:txBody>
@@ -7767,20 +7702,15 @@
             </a:r>
             <a:r>
               <a:rPr lang="en-US" dirty="0"/>
-              <a:t>-day psychology students often walk away from their statistics courses thinking that there are only four types of distributions: normal distributions, distributions that will become normal when they grow up, skewed distributions that want to be normal, and nameless grotesque aberrations.”</a:t>
-            </a:r>
-          </a:p>
-          <a:p>
-            <a:pPr marL="0" indent="0" algn="r">
-              <a:buNone/>
-            </a:pPr>
+              <a:t>-day psychology students often walk away from their statistics courses thinking that there are only four types of distributions: normal distributions, distributions that will become normal when they grow up, skewed distributions that want to be normal, and nameless grotesque aberrations” (</a:t>
+            </a:r>
             <a:r>
               <a:rPr lang="en-US" dirty="0" err="1"/>
               <a:t>Guastello</a:t>
             </a:r>
             <a:r>
               <a:rPr lang="en-US" dirty="0"/>
-              <a:t>, 2011, p. 34</a:t>
+              <a:t>, 2011, p. 34).</a:t>
             </a:r>
           </a:p>
           <a:p>
@@ -7942,7 +7872,7 @@
             <a:pPr lvl="2"/>
             <a:r>
               <a:rPr lang="en-US" dirty="0"/>
-              <a:t>Bird populations in Colorado by species in 2003</a:t>
+              <a:t>Bird populations in Colorado by species</a:t>
             </a:r>
           </a:p>
           <a:p>
@@ -8107,12 +8037,7 @@
             <p:ph idx="1"/>
           </p:nvPr>
         </p:nvSpPr>
-        <p:spPr>
-          <a:xfrm>
-            <a:off x="838199" y="1651058"/>
-            <a:ext cx="11065625" cy="4351338"/>
-          </a:xfrm>
-        </p:spPr>
+        <p:spPr/>
         <p:txBody>
           <a:bodyPr>
             <a:normAutofit/>
@@ -8314,21 +8239,21 @@
                 <a:latin typeface="Consolas" panose="020B0609020204030204" pitchFamily="49" charset="0"/>
                 <a:cs typeface="Consolas" panose="020B0609020204030204" pitchFamily="49" charset="0"/>
               </a:rPr>
-              <a:t>hist(pull(</a:t>
+              <a:t>hist("https://</a:t>
             </a:r>
             <a:r>
               <a:rPr lang="en-US" dirty="0" err="1">
                 <a:latin typeface="Consolas" panose="020B0609020204030204" pitchFamily="49" charset="0"/>
                 <a:cs typeface="Consolas" panose="020B0609020204030204" pitchFamily="49" charset="0"/>
               </a:rPr>
-              <a:t>read.csv</a:t>
+              <a:t>bit.ly</a:t>
             </a:r>
             <a:r>
               <a:rPr lang="en-US" dirty="0">
                 <a:latin typeface="Consolas" panose="020B0609020204030204" pitchFamily="49" charset="0"/>
                 <a:cs typeface="Consolas" panose="020B0609020204030204" pitchFamily="49" charset="0"/>
               </a:rPr>
-              <a:t>("https://bit.ly/NDSData1")),</a:t>
+              <a:t>/NDSData1",   # The data</a:t>
             </a:r>
           </a:p>
           <a:p>
@@ -8448,7 +8373,7 @@
           <p:cNvPr id="2" name="Title 1">
             <a:extLst>
               <a:ext uri="{FF2B5EF4-FFF2-40B4-BE49-F238E27FC236}">
-                <a16:creationId xmlns:a16="http://schemas.microsoft.com/office/drawing/2014/main" id="{18CCB298-986C-40D0-9316-CC153586542D}"/>
+                <a16:creationId xmlns:a16="http://schemas.microsoft.com/office/drawing/2014/main" id="{A05708DE-DA0C-E54F-A7D2-DF206B562449}"/>
               </a:ext>
             </a:extLst>
           </p:cNvPr>
@@ -8466,11 +8391,11 @@
           <a:p>
             <a:r>
               <a:rPr lang="en-US" dirty="0"/>
-              <a:t>Fitting Distributions						</a:t>
+              <a:t>Lunch										</a:t>
             </a:r>
             <a:r>
               <a:rPr lang="en-US" sz="2000" dirty="0"/>
-              <a:t>(if time)</a:t>
+              <a:t>(11:30)</a:t>
             </a:r>
           </a:p>
         </p:txBody>
@@ -8480,7 +8405,7 @@
           <p:cNvPr id="3" name="Content Placeholder 2">
             <a:extLst>
               <a:ext uri="{FF2B5EF4-FFF2-40B4-BE49-F238E27FC236}">
-                <a16:creationId xmlns:a16="http://schemas.microsoft.com/office/drawing/2014/main" id="{E1612DB9-6153-4D50-88F0-FA3DD8F4A126}"/>
+                <a16:creationId xmlns:a16="http://schemas.microsoft.com/office/drawing/2014/main" id="{80DEAC97-1ADE-EA4D-B9B9-F9BD484C6772}"/>
               </a:ext>
             </a:extLst>
           </p:cNvPr>
@@ -8489,304 +8414,6 @@
           </p:cNvSpPr>
           <p:nvPr>
             <p:ph idx="1"/>
-          </p:nvPr>
-        </p:nvSpPr>
-        <p:spPr>
-          <a:xfrm>
-            <a:off x="838200" y="1651058"/>
-            <a:ext cx="10813026" cy="4582594"/>
-          </a:xfrm>
-        </p:spPr>
-        <p:txBody>
-          <a:bodyPr>
-            <a:normAutofit/>
-          </a:bodyPr>
-          <a:lstStyle/>
-          <a:p>
-            <a:r>
-              <a:rPr lang="en-US" dirty="0"/>
-              <a:t>Can be very difficult, but this often works:</a:t>
-            </a:r>
-          </a:p>
-          <a:p>
-            <a:pPr marL="0" indent="0">
-              <a:buNone/>
-            </a:pPr>
-            <a:r>
-              <a:rPr lang="en-US" dirty="0">
-                <a:latin typeface="Consolas" panose="020B0609020204030204" pitchFamily="49" charset="0"/>
-                <a:cs typeface="Consolas" panose="020B0609020204030204" pitchFamily="49" charset="0"/>
-              </a:rPr>
-              <a:t>library(</a:t>
-            </a:r>
-            <a:r>
-              <a:rPr lang="en-US" dirty="0" err="1">
-                <a:latin typeface="Consolas" panose="020B0609020204030204" pitchFamily="49" charset="0"/>
-                <a:cs typeface="Consolas" panose="020B0609020204030204" pitchFamily="49" charset="0"/>
-              </a:rPr>
-              <a:t>fitdistrplus</a:t>
-            </a:r>
-            <a:r>
-              <a:rPr lang="en-US" dirty="0">
-                <a:latin typeface="Consolas" panose="020B0609020204030204" pitchFamily="49" charset="0"/>
-                <a:cs typeface="Consolas" panose="020B0609020204030204" pitchFamily="49" charset="0"/>
-              </a:rPr>
-              <a:t>)</a:t>
-            </a:r>
-          </a:p>
-          <a:p>
-            <a:pPr marL="0" indent="0">
-              <a:buNone/>
-            </a:pPr>
-            <a:r>
-              <a:rPr lang="en-US" dirty="0" err="1">
-                <a:latin typeface="Consolas" panose="020B0609020204030204" pitchFamily="49" charset="0"/>
-                <a:cs typeface="Consolas" panose="020B0609020204030204" pitchFamily="49" charset="0"/>
-              </a:rPr>
-              <a:t>fitdist</a:t>
-            </a:r>
-            <a:r>
-              <a:rPr lang="en-US" dirty="0">
-                <a:latin typeface="Consolas" panose="020B0609020204030204" pitchFamily="49" charset="0"/>
-                <a:cs typeface="Consolas" panose="020B0609020204030204" pitchFamily="49" charset="0"/>
-              </a:rPr>
-              <a:t>(data =</a:t>
-            </a:r>
-          </a:p>
-          <a:p>
-            <a:pPr marL="0" indent="0">
-              <a:buNone/>
-            </a:pPr>
-            <a:r>
-              <a:rPr lang="en-US" dirty="0">
-                <a:latin typeface="Consolas" panose="020B0609020204030204" pitchFamily="49" charset="0"/>
-                <a:cs typeface="Consolas" panose="020B0609020204030204" pitchFamily="49" charset="0"/>
-              </a:rPr>
-              <a:t>        pull(</a:t>
-            </a:r>
-            <a:r>
-              <a:rPr lang="en-US" dirty="0" err="1">
-                <a:latin typeface="Consolas" panose="020B0609020204030204" pitchFamily="49" charset="0"/>
-                <a:cs typeface="Consolas" panose="020B0609020204030204" pitchFamily="49" charset="0"/>
-              </a:rPr>
-              <a:t>read.csv</a:t>
-            </a:r>
-            <a:r>
-              <a:rPr lang="en-US" dirty="0">
-                <a:latin typeface="Consolas" panose="020B0609020204030204" pitchFamily="49" charset="0"/>
-                <a:cs typeface="Consolas" panose="020B0609020204030204" pitchFamily="49" charset="0"/>
-              </a:rPr>
-              <a:t>("http://</a:t>
-            </a:r>
-            <a:r>
-              <a:rPr lang="en-US" dirty="0" err="1">
-                <a:latin typeface="Consolas" panose="020B0609020204030204" pitchFamily="49" charset="0"/>
-                <a:cs typeface="Consolas" panose="020B0609020204030204" pitchFamily="49" charset="0"/>
-              </a:rPr>
-              <a:t>bit.ly</a:t>
-            </a:r>
-            <a:r>
-              <a:rPr lang="en-US" dirty="0">
-                <a:latin typeface="Consolas" panose="020B0609020204030204" pitchFamily="49" charset="0"/>
-                <a:cs typeface="Consolas" panose="020B0609020204030204" pitchFamily="49" charset="0"/>
-              </a:rPr>
-              <a:t>/</a:t>
-            </a:r>
-            <a:r>
-              <a:rPr lang="en-US" dirty="0" err="1">
-                <a:latin typeface="Consolas" panose="020B0609020204030204" pitchFamily="49" charset="0"/>
-                <a:cs typeface="Consolas" panose="020B0609020204030204" pitchFamily="49" charset="0"/>
-              </a:rPr>
-              <a:t>NDSAnxLowShape</a:t>
-            </a:r>
-            <a:r>
-              <a:rPr lang="en-US" dirty="0">
-                <a:latin typeface="Consolas" panose="020B0609020204030204" pitchFamily="49" charset="0"/>
-                <a:cs typeface="Consolas" panose="020B0609020204030204" pitchFamily="49" charset="0"/>
-              </a:rPr>
-              <a:t>",</a:t>
-            </a:r>
-          </a:p>
-          <a:p>
-            <a:pPr marL="0" indent="0">
-              <a:buNone/>
-            </a:pPr>
-            <a:r>
-              <a:rPr lang="en-US" dirty="0">
-                <a:latin typeface="Consolas" panose="020B0609020204030204" pitchFamily="49" charset="0"/>
-                <a:cs typeface="Consolas" panose="020B0609020204030204" pitchFamily="49" charset="0"/>
-              </a:rPr>
-              <a:t>        method = "</a:t>
-            </a:r>
-            <a:r>
-              <a:rPr lang="en-US" dirty="0" err="1">
-                <a:latin typeface="Consolas" panose="020B0609020204030204" pitchFamily="49" charset="0"/>
-                <a:cs typeface="Consolas" panose="020B0609020204030204" pitchFamily="49" charset="0"/>
-              </a:rPr>
-              <a:t>mme</a:t>
-            </a:r>
-            <a:r>
-              <a:rPr lang="en-US" dirty="0">
-                <a:latin typeface="Consolas" panose="020B0609020204030204" pitchFamily="49" charset="0"/>
-                <a:cs typeface="Consolas" panose="020B0609020204030204" pitchFamily="49" charset="0"/>
-              </a:rPr>
-              <a:t>",    # Moment matching est.</a:t>
-            </a:r>
-          </a:p>
-          <a:p>
-            <a:pPr marL="0" indent="0">
-              <a:buNone/>
-            </a:pPr>
-            <a:r>
-              <a:rPr lang="en-US" dirty="0">
-                <a:latin typeface="Consolas" panose="020B0609020204030204" pitchFamily="49" charset="0"/>
-                <a:cs typeface="Consolas" panose="020B0609020204030204" pitchFamily="49" charset="0"/>
-              </a:rPr>
-              <a:t>        </a:t>
-            </a:r>
-            <a:r>
-              <a:rPr lang="en-US" dirty="0" err="1">
-                <a:latin typeface="Consolas" panose="020B0609020204030204" pitchFamily="49" charset="0"/>
-                <a:cs typeface="Consolas" panose="020B0609020204030204" pitchFamily="49" charset="0"/>
-              </a:rPr>
-              <a:t>distr</a:t>
-            </a:r>
-            <a:r>
-              <a:rPr lang="en-US" dirty="0">
-                <a:latin typeface="Consolas" panose="020B0609020204030204" pitchFamily="49" charset="0"/>
-                <a:cs typeface="Consolas" panose="020B0609020204030204" pitchFamily="49" charset="0"/>
-              </a:rPr>
-              <a:t> = "beta") -&gt; # Beta distribution</a:t>
-            </a:r>
-          </a:p>
-          <a:p>
-            <a:pPr marL="0" indent="0">
-              <a:buNone/>
-            </a:pPr>
-            <a:r>
-              <a:rPr lang="en-US" dirty="0">
-                <a:latin typeface="Consolas" panose="020B0609020204030204" pitchFamily="49" charset="0"/>
-                <a:cs typeface="Consolas" panose="020B0609020204030204" pitchFamily="49" charset="0"/>
-              </a:rPr>
-              <a:t>  </a:t>
-            </a:r>
-            <a:r>
-              <a:rPr lang="en-US" dirty="0" err="1">
-                <a:latin typeface="Consolas" panose="020B0609020204030204" pitchFamily="49" charset="0"/>
-                <a:cs typeface="Consolas" panose="020B0609020204030204" pitchFamily="49" charset="0"/>
-              </a:rPr>
-              <a:t>lower_beta</a:t>
-            </a:r>
-            <a:endParaRPr lang="en-US" dirty="0">
-              <a:latin typeface="Consolas" panose="020B0609020204030204" pitchFamily="49" charset="0"/>
-              <a:cs typeface="Consolas" panose="020B0609020204030204" pitchFamily="49" charset="0"/>
-            </a:endParaRPr>
-          </a:p>
-          <a:p>
-            <a:pPr marL="0" indent="0">
-              <a:buNone/>
-            </a:pPr>
-            <a:r>
-              <a:rPr lang="en-US" dirty="0" err="1">
-                <a:latin typeface="Consolas" panose="020B0609020204030204" pitchFamily="49" charset="0"/>
-                <a:cs typeface="Consolas" panose="020B0609020204030204" pitchFamily="49" charset="0"/>
-              </a:rPr>
-              <a:t>coef</a:t>
-            </a:r>
-            <a:r>
-              <a:rPr lang="en-US" dirty="0">
-                <a:latin typeface="Consolas" panose="020B0609020204030204" pitchFamily="49" charset="0"/>
-                <a:cs typeface="Consolas" panose="020B0609020204030204" pitchFamily="49" charset="0"/>
-              </a:rPr>
-              <a:t>(</a:t>
-            </a:r>
-            <a:r>
-              <a:rPr lang="en-US" dirty="0" err="1">
-                <a:latin typeface="Consolas" panose="020B0609020204030204" pitchFamily="49" charset="0"/>
-                <a:cs typeface="Consolas" panose="020B0609020204030204" pitchFamily="49" charset="0"/>
-              </a:rPr>
-              <a:t>lower_beta</a:t>
-            </a:r>
-            <a:r>
-              <a:rPr lang="en-US" dirty="0">
-                <a:latin typeface="Consolas" panose="020B0609020204030204" pitchFamily="49" charset="0"/>
-                <a:cs typeface="Consolas" panose="020B0609020204030204" pitchFamily="49" charset="0"/>
-              </a:rPr>
-              <a:t>)           # Get alpha and beta</a:t>
-            </a:r>
-          </a:p>
-          <a:p>
-            <a:pPr marL="0" indent="0">
-              <a:buNone/>
-            </a:pPr>
-            <a:r>
-              <a:rPr lang="en-US" dirty="0">
-                <a:latin typeface="Consolas" panose="020B0609020204030204" pitchFamily="49" charset="0"/>
-                <a:cs typeface="Consolas" panose="020B0609020204030204" pitchFamily="49" charset="0"/>
-              </a:rPr>
-              <a:t>plot(</a:t>
-            </a:r>
-            <a:r>
-              <a:rPr lang="en-US" dirty="0" err="1">
-                <a:latin typeface="Consolas" panose="020B0609020204030204" pitchFamily="49" charset="0"/>
-                <a:cs typeface="Consolas" panose="020B0609020204030204" pitchFamily="49" charset="0"/>
-              </a:rPr>
-              <a:t>lower_beta</a:t>
-            </a:r>
-            <a:r>
-              <a:rPr lang="en-US" dirty="0">
-                <a:latin typeface="Consolas" panose="020B0609020204030204" pitchFamily="49" charset="0"/>
-                <a:cs typeface="Consolas" panose="020B0609020204030204" pitchFamily="49" charset="0"/>
-              </a:rPr>
-              <a:t>)           # Plot (with diagnostics!)</a:t>
-            </a:r>
-          </a:p>
-        </p:txBody>
-      </p:sp>
-    </p:spTree>
-    <p:extLst>
-      <p:ext uri="{BB962C8B-B14F-4D97-AF65-F5344CB8AC3E}">
-        <p14:creationId xmlns:p14="http://schemas.microsoft.com/office/powerpoint/2010/main" val="3915935089"/>
-      </p:ext>
-    </p:extLst>
-  </p:cSld>
-  <p:clrMapOvr>
-    <a:masterClrMapping/>
-  </p:clrMapOvr>
-</p:sld>
-</file>
-
-<file path=ppt/slides/slide22.xml><?xml version="1.0" encoding="utf-8"?>
-<p:sld xmlns:a="http://schemas.openxmlformats.org/drawingml/2006/main" xmlns:r="http://schemas.openxmlformats.org/officeDocument/2006/relationships" xmlns:p="http://schemas.openxmlformats.org/presentationml/2006/main">
-  <p:cSld>
-    <p:spTree>
-      <p:nvGrpSpPr>
-        <p:cNvPr id="1" name=""/>
-        <p:cNvGrpSpPr/>
-        <p:nvPr/>
-      </p:nvGrpSpPr>
-      <p:grpSpPr>
-        <a:xfrm>
-          <a:off x="0" y="0"/>
-          <a:ext cx="0" cy="0"/>
-          <a:chOff x="0" y="0"/>
-          <a:chExt cx="0" cy="0"/>
-        </a:xfrm>
-      </p:grpSpPr>
-      <p:sp>
-        <p:nvSpPr>
-          <p:cNvPr id="2" name="Title 1">
-            <a:extLst>
-              <a:ext uri="{FF2B5EF4-FFF2-40B4-BE49-F238E27FC236}">
-                <a16:creationId xmlns:a16="http://schemas.microsoft.com/office/drawing/2014/main" id="{A05708DE-DA0C-E54F-A7D2-DF206B562449}"/>
-              </a:ext>
-            </a:extLst>
-          </p:cNvPr>
-          <p:cNvSpPr>
-            <a:spLocks noGrp="1"/>
-          </p:cNvSpPr>
-          <p:nvPr>
-            <p:ph type="title"/>
           </p:nvPr>
         </p:nvSpPr>
         <p:spPr/>
@@ -8796,39 +8423,7 @@
           <a:p>
             <a:r>
               <a:rPr lang="en-US" dirty="0"/>
-              <a:t>Lunch										</a:t>
-            </a:r>
-            <a:r>
-              <a:rPr lang="en-US" sz="2000" dirty="0"/>
-              <a:t>(11:30)</a:t>
-            </a:r>
-          </a:p>
-        </p:txBody>
-      </p:sp>
-      <p:sp>
-        <p:nvSpPr>
-          <p:cNvPr id="3" name="Content Placeholder 2">
-            <a:extLst>
-              <a:ext uri="{FF2B5EF4-FFF2-40B4-BE49-F238E27FC236}">
-                <a16:creationId xmlns:a16="http://schemas.microsoft.com/office/drawing/2014/main" id="{80DEAC97-1ADE-EA4D-B9B9-F9BD484C6772}"/>
-              </a:ext>
-            </a:extLst>
-          </p:cNvPr>
-          <p:cNvSpPr>
-            <a:spLocks noGrp="1"/>
-          </p:cNvSpPr>
-          <p:nvPr>
-            <p:ph idx="1"/>
-          </p:nvPr>
-        </p:nvSpPr>
-        <p:spPr/>
-        <p:txBody>
-          <a:bodyPr/>
-          <a:lstStyle/>
-          <a:p>
-            <a:r>
-              <a:rPr lang="en-US" dirty="0"/>
-              <a:t>If you brought data and we haven’t talked, send it to me, please</a:t>
+              <a:t>If you brought data, send it to me, please</a:t>
             </a:r>
           </a:p>
           <a:p>
@@ -8861,14 +8456,7 @@
           <a:p>
             <a:r>
               <a:rPr lang="en-US" dirty="0"/>
-              <a:t>Nearby lunch places: Across the street</a:t>
-            </a:r>
-          </a:p>
-          <a:p>
-            <a:pPr lvl="1"/>
-            <a:r>
-              <a:rPr lang="en-US" dirty="0"/>
-              <a:t>Ask a UCCS student for recommendations</a:t>
+              <a:t>Nearby lunch places: Ask Megan (or probably any of the UCCS trauma students)</a:t>
             </a:r>
           </a:p>
           <a:p>
@@ -8892,7 +8480,7 @@
 </p:sld>
 </file>
 
-<file path=ppt/slides/slide23.xml><?xml version="1.0" encoding="utf-8"?>
+<file path=ppt/slides/slide22.xml><?xml version="1.0" encoding="utf-8"?>
 <p:sld xmlns:a="http://schemas.openxmlformats.org/drawingml/2006/main" xmlns:r="http://schemas.openxmlformats.org/officeDocument/2006/relationships" xmlns:p="http://schemas.openxmlformats.org/presentationml/2006/main">
   <p:cSld>
     <p:spTree>
@@ -9093,23 +8681,21 @@
             <p:ph idx="1"/>
           </p:nvPr>
         </p:nvSpPr>
-        <p:spPr>
-          <a:xfrm>
-            <a:off x="838200" y="1651058"/>
-            <a:ext cx="10515600" cy="4725358"/>
-          </a:xfrm>
-        </p:spPr>
-        <p:txBody>
-          <a:bodyPr>
-            <a:normAutofit/>
-          </a:bodyPr>
+        <p:spPr/>
+        <p:txBody>
+          <a:bodyPr/>
           <a:lstStyle/>
           <a:p>
             <a:r>
-              <a:rPr lang="en-US"/>
+              <a:rPr lang="en-US" dirty="0"/>
+              <a:t>Megan Wendling</a:t>
+            </a:r>
+          </a:p>
+          <a:p>
+            <a:r>
+              <a:rPr lang="en-US" dirty="0"/>
               <a:t>Facilities</a:t>
             </a:r>
-            <a:endParaRPr lang="en-US" dirty="0"/>
           </a:p>
           <a:p>
             <a:pPr lvl="1"/>
@@ -9137,21 +8723,21 @@
             <a:pPr lvl="2"/>
             <a:r>
               <a:rPr lang="en-US" dirty="0"/>
-              <a:t>Network: UCCS Guest</a:t>
+              <a:t>Network:</a:t>
             </a:r>
           </a:p>
           <a:p>
             <a:pPr lvl="2"/>
             <a:r>
               <a:rPr lang="en-US" dirty="0"/>
-              <a:t>Passcode: None – just register with an email address</a:t>
+              <a:t>Passcode:</a:t>
             </a:r>
           </a:p>
           <a:p>
             <a:pPr lvl="1"/>
             <a:r>
               <a:rPr lang="en-US" dirty="0"/>
-              <a:t>I have USB drives for R/</a:t>
+              <a:t>USB drives for R/</a:t>
             </a:r>
             <a:r>
               <a:rPr lang="en-US" dirty="0" err="1"/>
@@ -9166,13 +8752,14 @@
             <a:pPr lvl="2"/>
             <a:r>
               <a:rPr lang="en-US" dirty="0"/>
-              <a:t>Backup laptops if things go really wrong</a:t>
-            </a:r>
-          </a:p>
-          <a:p>
-            <a:r>
-              <a:rPr lang="en-US" dirty="0"/>
-              <a:t>Name tags</a:t>
+              <a:t>Backup laptop if things go really wrong</a:t>
+            </a:r>
+          </a:p>
+          <a:p>
+            <a:pPr lvl="1"/>
+            <a:r>
+              <a:rPr lang="en-US" dirty="0"/>
+              <a:t>Packet (e.g., name tag!)</a:t>
             </a:r>
           </a:p>
         </p:txBody>
@@ -9781,13 +9368,8 @@
           <a:p>
             <a:r>
               <a:rPr lang="en-US" dirty="0"/>
-              <a:t>What do you want out of this? (Be </a:t>
-            </a:r>
-            <a:r>
-              <a:rPr lang="en-US"/>
-              <a:t>specific if you can)</a:t>
-            </a:r>
-            <a:endParaRPr lang="en-US" dirty="0"/>
+              <a:t>What do you want out of this?</a:t>
+            </a:r>
           </a:p>
           <a:p>
             <a:r>
@@ -10095,7 +9677,7 @@
             </a:r>
             <a:r>
               <a:rPr lang="en-US" i="1" dirty="0"/>
-              <a:t>processes (states)</a:t>
+              <a:t>processes</a:t>
             </a:r>
           </a:p>
           <a:p>
